--- a/misc/icons.pptx
+++ b/misc/icons.pptx
@@ -263,7 +263,7 @@
           <a:p>
             <a:fld id="{740CBF9C-6FDD-4182-97AF-D1BF5F7C50EB}" type="datetimeFigureOut">
               <a:rPr lang="es-ES" smtClean="0"/>
-              <a:t>04/11/2024</a:t>
+              <a:t>07/11/2024</a:t>
             </a:fld>
             <a:endParaRPr lang="es-ES"/>
           </a:p>
@@ -461,7 +461,7 @@
           <a:p>
             <a:fld id="{740CBF9C-6FDD-4182-97AF-D1BF5F7C50EB}" type="datetimeFigureOut">
               <a:rPr lang="es-ES" smtClean="0"/>
-              <a:t>04/11/2024</a:t>
+              <a:t>07/11/2024</a:t>
             </a:fld>
             <a:endParaRPr lang="es-ES"/>
           </a:p>
@@ -669,7 +669,7 @@
           <a:p>
             <a:fld id="{740CBF9C-6FDD-4182-97AF-D1BF5F7C50EB}" type="datetimeFigureOut">
               <a:rPr lang="es-ES" smtClean="0"/>
-              <a:t>04/11/2024</a:t>
+              <a:t>07/11/2024</a:t>
             </a:fld>
             <a:endParaRPr lang="es-ES"/>
           </a:p>
@@ -867,7 +867,7 @@
           <a:p>
             <a:fld id="{740CBF9C-6FDD-4182-97AF-D1BF5F7C50EB}" type="datetimeFigureOut">
               <a:rPr lang="es-ES" smtClean="0"/>
-              <a:t>04/11/2024</a:t>
+              <a:t>07/11/2024</a:t>
             </a:fld>
             <a:endParaRPr lang="es-ES"/>
           </a:p>
@@ -1142,7 +1142,7 @@
           <a:p>
             <a:fld id="{740CBF9C-6FDD-4182-97AF-D1BF5F7C50EB}" type="datetimeFigureOut">
               <a:rPr lang="es-ES" smtClean="0"/>
-              <a:t>04/11/2024</a:t>
+              <a:t>07/11/2024</a:t>
             </a:fld>
             <a:endParaRPr lang="es-ES"/>
           </a:p>
@@ -1407,7 +1407,7 @@
           <a:p>
             <a:fld id="{740CBF9C-6FDD-4182-97AF-D1BF5F7C50EB}" type="datetimeFigureOut">
               <a:rPr lang="es-ES" smtClean="0"/>
-              <a:t>04/11/2024</a:t>
+              <a:t>07/11/2024</a:t>
             </a:fld>
             <a:endParaRPr lang="es-ES"/>
           </a:p>
@@ -1819,7 +1819,7 @@
           <a:p>
             <a:fld id="{740CBF9C-6FDD-4182-97AF-D1BF5F7C50EB}" type="datetimeFigureOut">
               <a:rPr lang="es-ES" smtClean="0"/>
-              <a:t>04/11/2024</a:t>
+              <a:t>07/11/2024</a:t>
             </a:fld>
             <a:endParaRPr lang="es-ES"/>
           </a:p>
@@ -1960,7 +1960,7 @@
           <a:p>
             <a:fld id="{740CBF9C-6FDD-4182-97AF-D1BF5F7C50EB}" type="datetimeFigureOut">
               <a:rPr lang="es-ES" smtClean="0"/>
-              <a:t>04/11/2024</a:t>
+              <a:t>07/11/2024</a:t>
             </a:fld>
             <a:endParaRPr lang="es-ES"/>
           </a:p>
@@ -2073,7 +2073,7 @@
           <a:p>
             <a:fld id="{740CBF9C-6FDD-4182-97AF-D1BF5F7C50EB}" type="datetimeFigureOut">
               <a:rPr lang="es-ES" smtClean="0"/>
-              <a:t>04/11/2024</a:t>
+              <a:t>07/11/2024</a:t>
             </a:fld>
             <a:endParaRPr lang="es-ES"/>
           </a:p>
@@ -2384,7 +2384,7 @@
           <a:p>
             <a:fld id="{740CBF9C-6FDD-4182-97AF-D1BF5F7C50EB}" type="datetimeFigureOut">
               <a:rPr lang="es-ES" smtClean="0"/>
-              <a:t>04/11/2024</a:t>
+              <a:t>07/11/2024</a:t>
             </a:fld>
             <a:endParaRPr lang="es-ES"/>
           </a:p>
@@ -2672,7 +2672,7 @@
           <a:p>
             <a:fld id="{740CBF9C-6FDD-4182-97AF-D1BF5F7C50EB}" type="datetimeFigureOut">
               <a:rPr lang="es-ES" smtClean="0"/>
-              <a:t>04/11/2024</a:t>
+              <a:t>07/11/2024</a:t>
             </a:fld>
             <a:endParaRPr lang="es-ES"/>
           </a:p>
@@ -2913,7 +2913,7 @@
           <a:p>
             <a:fld id="{740CBF9C-6FDD-4182-97AF-D1BF5F7C50EB}" type="datetimeFigureOut">
               <a:rPr lang="es-ES" smtClean="0"/>
-              <a:t>04/11/2024</a:t>
+              <a:t>07/11/2024</a:t>
             </a:fld>
             <a:endParaRPr lang="es-ES"/>
           </a:p>
@@ -6750,6 +6750,193 @@
           </p:txBody>
         </p:sp>
       </p:grpSp>
+      <p:grpSp>
+        <p:nvGrpSpPr>
+          <p:cNvPr id="35" name="Grupo 34">
+            <a:extLst>
+              <a:ext uri="{FF2B5EF4-FFF2-40B4-BE49-F238E27FC236}">
+                <a16:creationId xmlns:a16="http://schemas.microsoft.com/office/drawing/2014/main" id="{1D9AA55B-C7D4-476B-9E48-0004F18CAE2F}"/>
+              </a:ext>
+            </a:extLst>
+          </p:cNvPr>
+          <p:cNvGrpSpPr/>
+          <p:nvPr/>
+        </p:nvGrpSpPr>
+        <p:grpSpPr>
+          <a:xfrm>
+            <a:off x="2435001" y="2530387"/>
+            <a:ext cx="914400" cy="804672"/>
+            <a:chOff x="2435001" y="2530387"/>
+            <a:chExt cx="914400" cy="804672"/>
+          </a:xfrm>
+        </p:grpSpPr>
+        <p:grpSp>
+          <p:nvGrpSpPr>
+            <p:cNvPr id="33" name="Grupo 32">
+              <a:extLst>
+                <a:ext uri="{FF2B5EF4-FFF2-40B4-BE49-F238E27FC236}">
+                  <a16:creationId xmlns:a16="http://schemas.microsoft.com/office/drawing/2014/main" id="{8596DD73-3733-4126-B415-31D3C79F8F51}"/>
+                </a:ext>
+              </a:extLst>
+            </p:cNvPr>
+            <p:cNvGrpSpPr/>
+            <p:nvPr/>
+          </p:nvGrpSpPr>
+          <p:grpSpPr>
+            <a:xfrm>
+              <a:off x="2435001" y="2530387"/>
+              <a:ext cx="914400" cy="804672"/>
+              <a:chOff x="2435001" y="2530387"/>
+              <a:chExt cx="914400" cy="804672"/>
+            </a:xfrm>
+          </p:grpSpPr>
+          <p:sp>
+            <p:nvSpPr>
+              <p:cNvPr id="2" name="Diagrama de flujo: tarjeta 1">
+                <a:extLst>
+                  <a:ext uri="{FF2B5EF4-FFF2-40B4-BE49-F238E27FC236}">
+                    <a16:creationId xmlns:a16="http://schemas.microsoft.com/office/drawing/2014/main" id="{2F93762C-20C9-4C1A-B478-203AF0539FB5}"/>
+                  </a:ext>
+                </a:extLst>
+              </p:cNvPr>
+              <p:cNvSpPr/>
+              <p:nvPr/>
+            </p:nvSpPr>
+            <p:spPr>
+              <a:xfrm flipH="1">
+                <a:off x="2435001" y="2530387"/>
+                <a:ext cx="914400" cy="804672"/>
+              </a:xfrm>
+              <a:prstGeom prst="flowChartPunchedCard">
+                <a:avLst/>
+              </a:prstGeom>
+              <a:solidFill>
+                <a:srgbClr val="FFF2CC"/>
+              </a:solidFill>
+              <a:ln w="38100">
+                <a:solidFill>
+                  <a:schemeClr val="tx1"/>
+                </a:solidFill>
+              </a:ln>
+            </p:spPr>
+            <p:style>
+              <a:lnRef idx="2">
+                <a:schemeClr val="accent1">
+                  <a:shade val="50000"/>
+                </a:schemeClr>
+              </a:lnRef>
+              <a:fillRef idx="1">
+                <a:schemeClr val="accent1"/>
+              </a:fillRef>
+              <a:effectRef idx="0">
+                <a:schemeClr val="accent1"/>
+              </a:effectRef>
+              <a:fontRef idx="minor">
+                <a:schemeClr val="lt1"/>
+              </a:fontRef>
+            </p:style>
+            <p:txBody>
+              <a:bodyPr rtlCol="0" anchor="ctr"/>
+              <a:lstStyle/>
+              <a:p>
+                <a:pPr algn="ctr"/>
+                <a:endParaRPr lang="en-US" dirty="0">
+                  <a:solidFill>
+                    <a:srgbClr val="0C445E"/>
+                  </a:solidFill>
+                </a:endParaRPr>
+              </a:p>
+            </p:txBody>
+          </p:sp>
+          <p:cxnSp>
+            <p:nvCxnSpPr>
+              <p:cNvPr id="29" name="Conector: angular 28">
+                <a:extLst>
+                  <a:ext uri="{FF2B5EF4-FFF2-40B4-BE49-F238E27FC236}">
+                    <a16:creationId xmlns:a16="http://schemas.microsoft.com/office/drawing/2014/main" id="{CA49B132-F1C0-4AC0-93C1-79647A6638FD}"/>
+                  </a:ext>
+                </a:extLst>
+              </p:cNvPr>
+              <p:cNvCxnSpPr>
+                <a:cxnSpLocks/>
+              </p:cNvCxnSpPr>
+              <p:nvPr/>
+            </p:nvCxnSpPr>
+            <p:spPr>
+              <a:xfrm>
+                <a:off x="3150394" y="2539911"/>
+                <a:ext cx="194245" cy="165188"/>
+              </a:xfrm>
+              <a:prstGeom prst="bentConnector3">
+                <a:avLst>
+                  <a:gd name="adj1" fmla="val -7617"/>
+                </a:avLst>
+              </a:prstGeom>
+              <a:ln w="38100">
+                <a:solidFill>
+                  <a:schemeClr val="tx1"/>
+                </a:solidFill>
+              </a:ln>
+            </p:spPr>
+            <p:style>
+              <a:lnRef idx="2">
+                <a:schemeClr val="accent1"/>
+              </a:lnRef>
+              <a:fillRef idx="0">
+                <a:schemeClr val="accent1"/>
+              </a:fillRef>
+              <a:effectRef idx="1">
+                <a:schemeClr val="accent1"/>
+              </a:effectRef>
+              <a:fontRef idx="minor">
+                <a:schemeClr val="tx1"/>
+              </a:fontRef>
+            </p:style>
+          </p:cxnSp>
+        </p:grpSp>
+        <p:sp>
+          <p:nvSpPr>
+            <p:cNvPr id="34" name="CuadroTexto 33">
+              <a:extLst>
+                <a:ext uri="{FF2B5EF4-FFF2-40B4-BE49-F238E27FC236}">
+                  <a16:creationId xmlns:a16="http://schemas.microsoft.com/office/drawing/2014/main" id="{78AA9348-3F44-4319-85BA-4EBAD8121A6B}"/>
+                </a:ext>
+              </a:extLst>
+            </p:cNvPr>
+            <p:cNvSpPr txBox="1"/>
+            <p:nvPr/>
+          </p:nvSpPr>
+          <p:spPr>
+            <a:xfrm>
+              <a:off x="2456376" y="2604973"/>
+              <a:ext cx="800219" cy="707886"/>
+            </a:xfrm>
+            <a:prstGeom prst="rect">
+              <a:avLst/>
+            </a:prstGeom>
+            <a:noFill/>
+          </p:spPr>
+          <p:txBody>
+            <a:bodyPr wrap="none" rtlCol="0">
+              <a:spAutoFit/>
+            </a:bodyPr>
+            <a:lstStyle/>
+            <a:p>
+              <a:r>
+                <a:rPr lang="es-ES" sz="4000" b="1" dirty="0">
+                  <a:latin typeface="Courier New" panose="02070309020205020404" pitchFamily="49" charset="0"/>
+                  <a:cs typeface="Courier New" panose="02070309020205020404" pitchFamily="49" charset="0"/>
+                </a:rPr>
+                <a:t>{}</a:t>
+              </a:r>
+              <a:endParaRPr lang="es-ES" sz="3200" b="1" dirty="0">
+                <a:latin typeface="Courier New" panose="02070309020205020404" pitchFamily="49" charset="0"/>
+                <a:cs typeface="Courier New" panose="02070309020205020404" pitchFamily="49" charset="0"/>
+              </a:endParaRPr>
+            </a:p>
+          </p:txBody>
+        </p:sp>
+      </p:grpSp>
     </p:spTree>
     <p:extLst>
       <p:ext uri="{BB962C8B-B14F-4D97-AF65-F5344CB8AC3E}">
@@ -7054,6 +7241,41 @@
           <a:xfrm>
             <a:off x="6538417" y="3874960"/>
             <a:ext cx="1058686" cy="760667"/>
+          </a:xfrm>
+          <a:prstGeom prst="rect">
+            <a:avLst/>
+          </a:prstGeom>
+        </p:spPr>
+      </p:pic>
+      <p:pic>
+        <p:nvPicPr>
+          <p:cNvPr id="6" name="Imagen 5" descr="Icono&#10;&#10;Descripción generada automáticamente">
+            <a:extLst>
+              <a:ext uri="{FF2B5EF4-FFF2-40B4-BE49-F238E27FC236}">
+                <a16:creationId xmlns:a16="http://schemas.microsoft.com/office/drawing/2014/main" id="{482DD1CA-03D1-47ED-B3A5-FBE3B0F6A5A2}"/>
+              </a:ext>
+            </a:extLst>
+          </p:cNvPr>
+          <p:cNvPicPr>
+            <a:picLocks noChangeAspect="1"/>
+          </p:cNvPicPr>
+          <p:nvPr/>
+        </p:nvPicPr>
+        <p:blipFill rotWithShape="1">
+          <a:blip r:embed="rId9">
+            <a:extLst>
+              <a:ext uri="{28A0092B-C50C-407E-A947-70E740481C1C}">
+                <a14:useLocalDpi xmlns:a14="http://schemas.microsoft.com/office/drawing/2010/main" val="0"/>
+              </a:ext>
+            </a:extLst>
+          </a:blip>
+          <a:srcRect l="12234" r="5805" b="17029"/>
+          <a:stretch/>
+        </p:blipFill>
+        <p:spPr>
+          <a:xfrm>
+            <a:off x="6791325" y="2921793"/>
+            <a:ext cx="752475" cy="666751"/>
           </a:xfrm>
           <a:prstGeom prst="rect">
             <a:avLst/>

--- a/misc/icons.pptx
+++ b/misc/icons.pptx
@@ -263,7 +263,7 @@
           <a:p>
             <a:fld id="{740CBF9C-6FDD-4182-97AF-D1BF5F7C50EB}" type="datetimeFigureOut">
               <a:rPr lang="es-ES" smtClean="0"/>
-              <a:t>07/11/2024</a:t>
+              <a:t>02/12/2024</a:t>
             </a:fld>
             <a:endParaRPr lang="es-ES"/>
           </a:p>
@@ -461,7 +461,7 @@
           <a:p>
             <a:fld id="{740CBF9C-6FDD-4182-97AF-D1BF5F7C50EB}" type="datetimeFigureOut">
               <a:rPr lang="es-ES" smtClean="0"/>
-              <a:t>07/11/2024</a:t>
+              <a:t>02/12/2024</a:t>
             </a:fld>
             <a:endParaRPr lang="es-ES"/>
           </a:p>
@@ -669,7 +669,7 @@
           <a:p>
             <a:fld id="{740CBF9C-6FDD-4182-97AF-D1BF5F7C50EB}" type="datetimeFigureOut">
               <a:rPr lang="es-ES" smtClean="0"/>
-              <a:t>07/11/2024</a:t>
+              <a:t>02/12/2024</a:t>
             </a:fld>
             <a:endParaRPr lang="es-ES"/>
           </a:p>
@@ -867,7 +867,7 @@
           <a:p>
             <a:fld id="{740CBF9C-6FDD-4182-97AF-D1BF5F7C50EB}" type="datetimeFigureOut">
               <a:rPr lang="es-ES" smtClean="0"/>
-              <a:t>07/11/2024</a:t>
+              <a:t>02/12/2024</a:t>
             </a:fld>
             <a:endParaRPr lang="es-ES"/>
           </a:p>
@@ -1142,7 +1142,7 @@
           <a:p>
             <a:fld id="{740CBF9C-6FDD-4182-97AF-D1BF5F7C50EB}" type="datetimeFigureOut">
               <a:rPr lang="es-ES" smtClean="0"/>
-              <a:t>07/11/2024</a:t>
+              <a:t>02/12/2024</a:t>
             </a:fld>
             <a:endParaRPr lang="es-ES"/>
           </a:p>
@@ -1407,7 +1407,7 @@
           <a:p>
             <a:fld id="{740CBF9C-6FDD-4182-97AF-D1BF5F7C50EB}" type="datetimeFigureOut">
               <a:rPr lang="es-ES" smtClean="0"/>
-              <a:t>07/11/2024</a:t>
+              <a:t>02/12/2024</a:t>
             </a:fld>
             <a:endParaRPr lang="es-ES"/>
           </a:p>
@@ -1819,7 +1819,7 @@
           <a:p>
             <a:fld id="{740CBF9C-6FDD-4182-97AF-D1BF5F7C50EB}" type="datetimeFigureOut">
               <a:rPr lang="es-ES" smtClean="0"/>
-              <a:t>07/11/2024</a:t>
+              <a:t>02/12/2024</a:t>
             </a:fld>
             <a:endParaRPr lang="es-ES"/>
           </a:p>
@@ -1960,7 +1960,7 @@
           <a:p>
             <a:fld id="{740CBF9C-6FDD-4182-97AF-D1BF5F7C50EB}" type="datetimeFigureOut">
               <a:rPr lang="es-ES" smtClean="0"/>
-              <a:t>07/11/2024</a:t>
+              <a:t>02/12/2024</a:t>
             </a:fld>
             <a:endParaRPr lang="es-ES"/>
           </a:p>
@@ -2073,7 +2073,7 @@
           <a:p>
             <a:fld id="{740CBF9C-6FDD-4182-97AF-D1BF5F7C50EB}" type="datetimeFigureOut">
               <a:rPr lang="es-ES" smtClean="0"/>
-              <a:t>07/11/2024</a:t>
+              <a:t>02/12/2024</a:t>
             </a:fld>
             <a:endParaRPr lang="es-ES"/>
           </a:p>
@@ -2384,7 +2384,7 @@
           <a:p>
             <a:fld id="{740CBF9C-6FDD-4182-97AF-D1BF5F7C50EB}" type="datetimeFigureOut">
               <a:rPr lang="es-ES" smtClean="0"/>
-              <a:t>07/11/2024</a:t>
+              <a:t>02/12/2024</a:t>
             </a:fld>
             <a:endParaRPr lang="es-ES"/>
           </a:p>
@@ -2672,7 +2672,7 @@
           <a:p>
             <a:fld id="{740CBF9C-6FDD-4182-97AF-D1BF5F7C50EB}" type="datetimeFigureOut">
               <a:rPr lang="es-ES" smtClean="0"/>
-              <a:t>07/11/2024</a:t>
+              <a:t>02/12/2024</a:t>
             </a:fld>
             <a:endParaRPr lang="es-ES"/>
           </a:p>
@@ -2913,7 +2913,7 @@
           <a:p>
             <a:fld id="{740CBF9C-6FDD-4182-97AF-D1BF5F7C50EB}" type="datetimeFigureOut">
               <a:rPr lang="es-ES" smtClean="0"/>
-              <a:t>07/11/2024</a:t>
+              <a:t>02/12/2024</a:t>
             </a:fld>
             <a:endParaRPr lang="es-ES"/>
           </a:p>
@@ -5569,6 +5569,403 @@
           </p:txBody>
         </p:sp>
       </p:grpSp>
+      <p:grpSp>
+        <p:nvGrpSpPr>
+          <p:cNvPr id="37" name="Grupo 36">
+            <a:extLst>
+              <a:ext uri="{FF2B5EF4-FFF2-40B4-BE49-F238E27FC236}">
+                <a16:creationId xmlns:a16="http://schemas.microsoft.com/office/drawing/2014/main" id="{ED87E640-1D69-00C6-ACD0-C35465D1F94A}"/>
+              </a:ext>
+            </a:extLst>
+          </p:cNvPr>
+          <p:cNvGrpSpPr/>
+          <p:nvPr/>
+        </p:nvGrpSpPr>
+        <p:grpSpPr>
+          <a:xfrm>
+            <a:off x="4155737" y="4947010"/>
+            <a:ext cx="457200" cy="457200"/>
+            <a:chOff x="4884943" y="5144654"/>
+            <a:chExt cx="457200" cy="457200"/>
+          </a:xfrm>
+        </p:grpSpPr>
+        <p:sp>
+          <p:nvSpPr>
+            <p:cNvPr id="23" name="Diagrama de flujo: conector 22">
+              <a:extLst>
+                <a:ext uri="{FF2B5EF4-FFF2-40B4-BE49-F238E27FC236}">
+                  <a16:creationId xmlns:a16="http://schemas.microsoft.com/office/drawing/2014/main" id="{19614D69-9504-0731-49DC-1968D567F608}"/>
+                </a:ext>
+              </a:extLst>
+            </p:cNvPr>
+            <p:cNvSpPr/>
+            <p:nvPr/>
+          </p:nvSpPr>
+          <p:spPr>
+            <a:xfrm>
+              <a:off x="4884943" y="5144654"/>
+              <a:ext cx="457200" cy="457200"/>
+            </a:xfrm>
+            <a:prstGeom prst="flowChartConnector">
+              <a:avLst/>
+            </a:prstGeom>
+            <a:solidFill>
+              <a:srgbClr val="09F3FF"/>
+            </a:solidFill>
+            <a:ln>
+              <a:noFill/>
+            </a:ln>
+            <a:effectLst>
+              <a:outerShdw blurRad="50800" dist="38100" dir="2700000" algn="tl" rotWithShape="0">
+                <a:prstClr val="black">
+                  <a:alpha val="40000"/>
+                </a:prstClr>
+              </a:outerShdw>
+            </a:effectLst>
+          </p:spPr>
+          <p:style>
+            <a:lnRef idx="2">
+              <a:schemeClr val="accent1">
+                <a:shade val="15000"/>
+              </a:schemeClr>
+            </a:lnRef>
+            <a:fillRef idx="1">
+              <a:schemeClr val="accent1"/>
+            </a:fillRef>
+            <a:effectRef idx="0">
+              <a:schemeClr val="accent1"/>
+            </a:effectRef>
+            <a:fontRef idx="minor">
+              <a:schemeClr val="lt1"/>
+            </a:fontRef>
+          </p:style>
+          <p:txBody>
+            <a:bodyPr rtlCol="0" anchor="ctr"/>
+            <a:lstStyle/>
+            <a:p>
+              <a:pPr algn="ctr"/>
+              <a:endParaRPr lang="es-ES" i="1" dirty="0">
+                <a:latin typeface="Times New Roman" panose="02020603050405020304" pitchFamily="18" charset="0"/>
+                <a:cs typeface="Times New Roman" panose="02020603050405020304" pitchFamily="18" charset="0"/>
+              </a:endParaRPr>
+            </a:p>
+          </p:txBody>
+        </p:sp>
+        <p:pic>
+          <p:nvPicPr>
+            <p:cNvPr id="1030" name="Picture 6" descr="Delta Icon - Free PNG &amp; SVG 43529 - Noun Project">
+              <a:extLst>
+                <a:ext uri="{FF2B5EF4-FFF2-40B4-BE49-F238E27FC236}">
+                  <a16:creationId xmlns:a16="http://schemas.microsoft.com/office/drawing/2014/main" id="{2F0D3576-8A6D-A7F5-155D-353D7826194C}"/>
+                </a:ext>
+              </a:extLst>
+            </p:cNvPr>
+            <p:cNvPicPr>
+              <a:picLocks noChangeAspect="1" noChangeArrowheads="1"/>
+            </p:cNvPicPr>
+            <p:nvPr/>
+          </p:nvPicPr>
+          <p:blipFill>
+            <a:blip r:embed="rId4">
+              <a:extLst>
+                <a:ext uri="{28A0092B-C50C-407E-A947-70E740481C1C}">
+                  <a14:useLocalDpi xmlns:a14="http://schemas.microsoft.com/office/drawing/2010/main" val="0"/>
+                </a:ext>
+              </a:extLst>
+            </a:blip>
+            <a:srcRect/>
+            <a:stretch>
+              <a:fillRect/>
+            </a:stretch>
+          </p:blipFill>
+          <p:spPr bwMode="auto">
+            <a:xfrm>
+              <a:off x="4923969" y="5160064"/>
+              <a:ext cx="377351" cy="377351"/>
+            </a:xfrm>
+            <a:prstGeom prst="rect">
+              <a:avLst/>
+            </a:prstGeom>
+            <a:noFill/>
+            <a:extLst>
+              <a:ext uri="{909E8E84-426E-40DD-AFC4-6F175D3DCCD1}">
+                <a14:hiddenFill xmlns:a14="http://schemas.microsoft.com/office/drawing/2010/main">
+                  <a:solidFill>
+                    <a:srgbClr val="FFFFFF"/>
+                  </a:solidFill>
+                </a14:hiddenFill>
+              </a:ext>
+            </a:extLst>
+          </p:spPr>
+        </p:pic>
+      </p:grpSp>
+      <p:grpSp>
+        <p:nvGrpSpPr>
+          <p:cNvPr id="38" name="Grupo 37">
+            <a:extLst>
+              <a:ext uri="{FF2B5EF4-FFF2-40B4-BE49-F238E27FC236}">
+                <a16:creationId xmlns:a16="http://schemas.microsoft.com/office/drawing/2014/main" id="{6BAC5F64-62D0-699F-060C-A5E8552F832D}"/>
+              </a:ext>
+            </a:extLst>
+          </p:cNvPr>
+          <p:cNvGrpSpPr/>
+          <p:nvPr/>
+        </p:nvGrpSpPr>
+        <p:grpSpPr>
+          <a:xfrm>
+            <a:off x="4843359" y="4893931"/>
+            <a:ext cx="514331" cy="514331"/>
+            <a:chOff x="5572565" y="5091575"/>
+            <a:chExt cx="514331" cy="514331"/>
+          </a:xfrm>
+        </p:grpSpPr>
+        <p:sp>
+          <p:nvSpPr>
+            <p:cNvPr id="29" name="Diagrama de flujo: conector 28">
+              <a:extLst>
+                <a:ext uri="{FF2B5EF4-FFF2-40B4-BE49-F238E27FC236}">
+                  <a16:creationId xmlns:a16="http://schemas.microsoft.com/office/drawing/2014/main" id="{049EE42B-3575-AB3B-3C41-CFB3B76CCE90}"/>
+                </a:ext>
+              </a:extLst>
+            </p:cNvPr>
+            <p:cNvSpPr/>
+            <p:nvPr/>
+          </p:nvSpPr>
+          <p:spPr>
+            <a:xfrm>
+              <a:off x="5596762" y="5148252"/>
+              <a:ext cx="457200" cy="457200"/>
+            </a:xfrm>
+            <a:prstGeom prst="flowChartConnector">
+              <a:avLst/>
+            </a:prstGeom>
+            <a:solidFill>
+              <a:schemeClr val="accent6">
+                <a:lumMod val="50000"/>
+              </a:schemeClr>
+            </a:solidFill>
+            <a:ln>
+              <a:noFill/>
+            </a:ln>
+            <a:effectLst>
+              <a:outerShdw blurRad="50800" dist="38100" dir="2700000" algn="tl" rotWithShape="0">
+                <a:prstClr val="black">
+                  <a:alpha val="40000"/>
+                </a:prstClr>
+              </a:outerShdw>
+            </a:effectLst>
+          </p:spPr>
+          <p:style>
+            <a:lnRef idx="2">
+              <a:schemeClr val="accent1">
+                <a:shade val="15000"/>
+              </a:schemeClr>
+            </a:lnRef>
+            <a:fillRef idx="1">
+              <a:schemeClr val="accent1"/>
+            </a:fillRef>
+            <a:effectRef idx="0">
+              <a:schemeClr val="accent1"/>
+            </a:effectRef>
+            <a:fontRef idx="minor">
+              <a:schemeClr val="lt1"/>
+            </a:fontRef>
+          </p:style>
+          <p:txBody>
+            <a:bodyPr rtlCol="0" anchor="ctr"/>
+            <a:lstStyle/>
+            <a:p>
+              <a:pPr algn="ctr"/>
+              <a:endParaRPr lang="es-ES" i="1" dirty="0">
+                <a:latin typeface="Times New Roman" panose="02020603050405020304" pitchFamily="18" charset="0"/>
+                <a:cs typeface="Times New Roman" panose="02020603050405020304" pitchFamily="18" charset="0"/>
+              </a:endParaRPr>
+            </a:p>
+          </p:txBody>
+        </p:sp>
+        <p:pic>
+          <p:nvPicPr>
+            <p:cNvPr id="35" name="Imagen 34" descr="Dibujo en blanco y negro&#10;&#10;Descripción generada automáticamente con confianza media">
+              <a:extLst>
+                <a:ext uri="{FF2B5EF4-FFF2-40B4-BE49-F238E27FC236}">
+                  <a16:creationId xmlns:a16="http://schemas.microsoft.com/office/drawing/2014/main" id="{C99D5676-A9C7-A9A1-EEB3-A78663539DF4}"/>
+                </a:ext>
+              </a:extLst>
+            </p:cNvPr>
+            <p:cNvPicPr>
+              <a:picLocks noChangeAspect="1"/>
+            </p:cNvPicPr>
+            <p:nvPr/>
+          </p:nvPicPr>
+          <p:blipFill>
+            <a:blip r:embed="rId5">
+              <a:extLst>
+                <a:ext uri="{28A0092B-C50C-407E-A947-70E740481C1C}">
+                  <a14:useLocalDpi xmlns:a14="http://schemas.microsoft.com/office/drawing/2010/main" val="0"/>
+                </a:ext>
+              </a:extLst>
+            </a:blip>
+            <a:stretch>
+              <a:fillRect/>
+            </a:stretch>
+          </p:blipFill>
+          <p:spPr>
+            <a:xfrm>
+              <a:off x="5572565" y="5091575"/>
+              <a:ext cx="514331" cy="514331"/>
+            </a:xfrm>
+            <a:prstGeom prst="rect">
+              <a:avLst/>
+            </a:prstGeom>
+          </p:spPr>
+        </p:pic>
+      </p:grpSp>
+      <p:grpSp>
+        <p:nvGrpSpPr>
+          <p:cNvPr id="39" name="Grupo 38">
+            <a:extLst>
+              <a:ext uri="{FF2B5EF4-FFF2-40B4-BE49-F238E27FC236}">
+                <a16:creationId xmlns:a16="http://schemas.microsoft.com/office/drawing/2014/main" id="{C2FDAC92-F1CF-ABEF-BC55-664B1C3E087F}"/>
+              </a:ext>
+            </a:extLst>
+          </p:cNvPr>
+          <p:cNvGrpSpPr/>
+          <p:nvPr/>
+        </p:nvGrpSpPr>
+        <p:grpSpPr>
+          <a:xfrm>
+            <a:off x="5585001" y="4950608"/>
+            <a:ext cx="457200" cy="457200"/>
+            <a:chOff x="6314207" y="5148252"/>
+            <a:chExt cx="457200" cy="457200"/>
+          </a:xfrm>
+        </p:grpSpPr>
+        <p:sp>
+          <p:nvSpPr>
+            <p:cNvPr id="30" name="Diagrama de flujo: conector 29">
+              <a:extLst>
+                <a:ext uri="{FF2B5EF4-FFF2-40B4-BE49-F238E27FC236}">
+                  <a16:creationId xmlns:a16="http://schemas.microsoft.com/office/drawing/2014/main" id="{76649A86-C5F1-0D56-F6AE-7E78F1261D8A}"/>
+                </a:ext>
+              </a:extLst>
+            </p:cNvPr>
+            <p:cNvSpPr/>
+            <p:nvPr/>
+          </p:nvSpPr>
+          <p:spPr>
+            <a:xfrm>
+              <a:off x="6314207" y="5148252"/>
+              <a:ext cx="457200" cy="457200"/>
+            </a:xfrm>
+            <a:prstGeom prst="flowChartConnector">
+              <a:avLst/>
+            </a:prstGeom>
+            <a:solidFill>
+              <a:srgbClr val="C00000"/>
+            </a:solidFill>
+            <a:ln>
+              <a:noFill/>
+            </a:ln>
+            <a:effectLst>
+              <a:outerShdw blurRad="50800" dist="38100" dir="2700000" algn="tl" rotWithShape="0">
+                <a:prstClr val="black">
+                  <a:alpha val="40000"/>
+                </a:prstClr>
+              </a:outerShdw>
+            </a:effectLst>
+          </p:spPr>
+          <p:style>
+            <a:lnRef idx="2">
+              <a:schemeClr val="accent1">
+                <a:shade val="15000"/>
+              </a:schemeClr>
+            </a:lnRef>
+            <a:fillRef idx="1">
+              <a:schemeClr val="accent1"/>
+            </a:fillRef>
+            <a:effectRef idx="0">
+              <a:schemeClr val="accent1"/>
+            </a:effectRef>
+            <a:fontRef idx="minor">
+              <a:schemeClr val="lt1"/>
+            </a:fontRef>
+          </p:style>
+          <p:txBody>
+            <a:bodyPr rtlCol="0" anchor="ctr"/>
+            <a:lstStyle/>
+            <a:p>
+              <a:pPr algn="ctr"/>
+              <a:endParaRPr lang="es-ES" i="1" dirty="0">
+                <a:latin typeface="Times New Roman" panose="02020603050405020304" pitchFamily="18" charset="0"/>
+                <a:cs typeface="Times New Roman" panose="02020603050405020304" pitchFamily="18" charset="0"/>
+              </a:endParaRPr>
+            </a:p>
+          </p:txBody>
+        </p:sp>
+        <p:sp>
+          <p:nvSpPr>
+            <p:cNvPr id="36" name="Rectángulo 35">
+              <a:extLst>
+                <a:ext uri="{FF2B5EF4-FFF2-40B4-BE49-F238E27FC236}">
+                  <a16:creationId xmlns:a16="http://schemas.microsoft.com/office/drawing/2014/main" id="{773FA3A2-BD2C-6B2E-E754-AC496DEAADD4}"/>
+                </a:ext>
+              </a:extLst>
+            </p:cNvPr>
+            <p:cNvSpPr/>
+            <p:nvPr/>
+          </p:nvSpPr>
+          <p:spPr>
+            <a:xfrm>
+              <a:off x="6399498" y="5348740"/>
+              <a:ext cx="286618" cy="72571"/>
+            </a:xfrm>
+            <a:prstGeom prst="rect">
+              <a:avLst/>
+            </a:prstGeom>
+            <a:solidFill>
+              <a:schemeClr val="bg1"/>
+            </a:solidFill>
+            <a:ln>
+              <a:solidFill>
+                <a:schemeClr val="bg1"/>
+              </a:solidFill>
+            </a:ln>
+          </p:spPr>
+          <p:style>
+            <a:lnRef idx="2">
+              <a:schemeClr val="dk1">
+                <a:shade val="15000"/>
+              </a:schemeClr>
+            </a:lnRef>
+            <a:fillRef idx="1">
+              <a:schemeClr val="dk1"/>
+            </a:fillRef>
+            <a:effectRef idx="0">
+              <a:schemeClr val="dk1"/>
+            </a:effectRef>
+            <a:fontRef idx="minor">
+              <a:schemeClr val="lt1"/>
+            </a:fontRef>
+          </p:style>
+          <p:txBody>
+            <a:bodyPr rtlCol="0" anchor="ctr"/>
+            <a:lstStyle/>
+            <a:p>
+              <a:pPr algn="ctr"/>
+              <a:endParaRPr lang="es-ES">
+                <a:ln>
+                  <a:solidFill>
+                    <a:schemeClr val="bg1"/>
+                  </a:solidFill>
+                </a:ln>
+                <a:solidFill>
+                  <a:schemeClr val="bg1"/>
+                </a:solidFill>
+              </a:endParaRPr>
+            </a:p>
+          </p:txBody>
+        </p:sp>
+      </p:grpSp>
     </p:spTree>
     <p:extLst>
       <p:ext uri="{BB962C8B-B14F-4D97-AF65-F5344CB8AC3E}">
@@ -7282,6 +7679,411 @@
           </a:prstGeom>
         </p:spPr>
       </p:pic>
+      <p:grpSp>
+        <p:nvGrpSpPr>
+          <p:cNvPr id="8" name="Grupo 7">
+            <a:extLst>
+              <a:ext uri="{FF2B5EF4-FFF2-40B4-BE49-F238E27FC236}">
+                <a16:creationId xmlns:a16="http://schemas.microsoft.com/office/drawing/2014/main" id="{DF4041C9-CAFC-8E25-C591-64EA2B18294E}"/>
+              </a:ext>
+            </a:extLst>
+          </p:cNvPr>
+          <p:cNvGrpSpPr>
+            <a:grpSpLocks/>
+          </p:cNvGrpSpPr>
+          <p:nvPr/>
+        </p:nvGrpSpPr>
+        <p:grpSpPr>
+          <a:xfrm>
+            <a:off x="4155737" y="4947010"/>
+            <a:ext cx="457200" cy="457200"/>
+            <a:chOff x="4884943" y="5144654"/>
+            <a:chExt cx="457200" cy="457200"/>
+          </a:xfrm>
+        </p:grpSpPr>
+        <p:sp>
+          <p:nvSpPr>
+            <p:cNvPr id="10" name="Diagrama de flujo: conector 9">
+              <a:extLst>
+                <a:ext uri="{FF2B5EF4-FFF2-40B4-BE49-F238E27FC236}">
+                  <a16:creationId xmlns:a16="http://schemas.microsoft.com/office/drawing/2014/main" id="{E1B3D131-6428-DF5B-EA89-ABF1472576A5}"/>
+                </a:ext>
+              </a:extLst>
+            </p:cNvPr>
+            <p:cNvSpPr>
+              <a:spLocks/>
+            </p:cNvSpPr>
+            <p:nvPr/>
+          </p:nvSpPr>
+          <p:spPr>
+            <a:xfrm>
+              <a:off x="4884943" y="5144654"/>
+              <a:ext cx="457200" cy="457200"/>
+            </a:xfrm>
+            <a:prstGeom prst="flowChartConnector">
+              <a:avLst/>
+            </a:prstGeom>
+            <a:solidFill>
+              <a:srgbClr val="09F3FF"/>
+            </a:solidFill>
+            <a:ln>
+              <a:noFill/>
+            </a:ln>
+            <a:effectLst>
+              <a:outerShdw blurRad="50800" dist="38100" dir="2700000" algn="tl" rotWithShape="0">
+                <a:prstClr val="black">
+                  <a:alpha val="40000"/>
+                </a:prstClr>
+              </a:outerShdw>
+            </a:effectLst>
+          </p:spPr>
+          <p:style>
+            <a:lnRef idx="2">
+              <a:schemeClr val="accent1">
+                <a:shade val="15000"/>
+              </a:schemeClr>
+            </a:lnRef>
+            <a:fillRef idx="1">
+              <a:schemeClr val="accent1"/>
+            </a:fillRef>
+            <a:effectRef idx="0">
+              <a:schemeClr val="accent1"/>
+            </a:effectRef>
+            <a:fontRef idx="minor">
+              <a:schemeClr val="lt1"/>
+            </a:fontRef>
+          </p:style>
+          <p:txBody>
+            <a:bodyPr rtlCol="0" anchor="ctr"/>
+            <a:lstStyle/>
+            <a:p>
+              <a:pPr algn="ctr"/>
+              <a:endParaRPr lang="es-ES" i="1" dirty="0">
+                <a:latin typeface="Times New Roman" panose="02020603050405020304" pitchFamily="18" charset="0"/>
+                <a:cs typeface="Times New Roman" panose="02020603050405020304" pitchFamily="18" charset="0"/>
+              </a:endParaRPr>
+            </a:p>
+          </p:txBody>
+        </p:sp>
+        <p:pic>
+          <p:nvPicPr>
+            <p:cNvPr id="12" name="Picture 6" descr="Delta Icon - Free PNG &amp; SVG 43529 - Noun Project">
+              <a:extLst>
+                <a:ext uri="{FF2B5EF4-FFF2-40B4-BE49-F238E27FC236}">
+                  <a16:creationId xmlns:a16="http://schemas.microsoft.com/office/drawing/2014/main" id="{D130352A-78B2-9599-3FCE-59663D8E5620}"/>
+                </a:ext>
+              </a:extLst>
+            </p:cNvPr>
+            <p:cNvPicPr>
+              <a:picLocks noChangeAspect="1"/>
+            </p:cNvPicPr>
+            <p:nvPr/>
+          </p:nvPicPr>
+          <p:blipFill>
+            <a:blip r:embed="rId10">
+              <a:extLst>
+                <a:ext uri="{28A0092B-C50C-407E-A947-70E740481C1C}">
+                  <a14:useLocalDpi xmlns:a14="http://schemas.microsoft.com/office/drawing/2010/main" val="0"/>
+                </a:ext>
+              </a:extLst>
+            </a:blip>
+            <a:srcRect/>
+            <a:stretch>
+              <a:fillRect/>
+            </a:stretch>
+          </p:blipFill>
+          <p:spPr bwMode="auto">
+            <a:xfrm>
+              <a:off x="4923969" y="5160064"/>
+              <a:ext cx="377351" cy="377351"/>
+            </a:xfrm>
+            <a:prstGeom prst="rect">
+              <a:avLst/>
+            </a:prstGeom>
+            <a:noFill/>
+            <a:extLst>
+              <a:ext uri="{909E8E84-426E-40DD-AFC4-6F175D3DCCD1}">
+                <a14:hiddenFill xmlns:a14="http://schemas.microsoft.com/office/drawing/2010/main">
+                  <a:solidFill>
+                    <a:srgbClr val="FFFFFF"/>
+                  </a:solidFill>
+                </a14:hiddenFill>
+              </a:ext>
+            </a:extLst>
+          </p:spPr>
+        </p:pic>
+      </p:grpSp>
+      <p:grpSp>
+        <p:nvGrpSpPr>
+          <p:cNvPr id="15" name="Grupo 14">
+            <a:extLst>
+              <a:ext uri="{FF2B5EF4-FFF2-40B4-BE49-F238E27FC236}">
+                <a16:creationId xmlns:a16="http://schemas.microsoft.com/office/drawing/2014/main" id="{35927E1A-A18C-9EF1-D550-89C5CA36AAED}"/>
+              </a:ext>
+            </a:extLst>
+          </p:cNvPr>
+          <p:cNvGrpSpPr>
+            <a:grpSpLocks/>
+          </p:cNvGrpSpPr>
+          <p:nvPr/>
+        </p:nvGrpSpPr>
+        <p:grpSpPr>
+          <a:xfrm>
+            <a:off x="4843359" y="4893931"/>
+            <a:ext cx="514331" cy="514331"/>
+            <a:chOff x="5572565" y="5091575"/>
+            <a:chExt cx="514331" cy="514331"/>
+          </a:xfrm>
+        </p:grpSpPr>
+        <p:sp>
+          <p:nvSpPr>
+            <p:cNvPr id="16" name="Diagrama de flujo: conector 15">
+              <a:extLst>
+                <a:ext uri="{FF2B5EF4-FFF2-40B4-BE49-F238E27FC236}">
+                  <a16:creationId xmlns:a16="http://schemas.microsoft.com/office/drawing/2014/main" id="{264F65C6-BB5B-3692-14E8-A747008C2133}"/>
+                </a:ext>
+              </a:extLst>
+            </p:cNvPr>
+            <p:cNvSpPr>
+              <a:spLocks/>
+            </p:cNvSpPr>
+            <p:nvPr/>
+          </p:nvSpPr>
+          <p:spPr>
+            <a:xfrm>
+              <a:off x="5596762" y="5148252"/>
+              <a:ext cx="457200" cy="457200"/>
+            </a:xfrm>
+            <a:prstGeom prst="flowChartConnector">
+              <a:avLst/>
+            </a:prstGeom>
+            <a:solidFill>
+              <a:schemeClr val="accent6">
+                <a:lumMod val="50000"/>
+              </a:schemeClr>
+            </a:solidFill>
+            <a:ln>
+              <a:noFill/>
+            </a:ln>
+            <a:effectLst>
+              <a:outerShdw blurRad="50800" dist="38100" dir="2700000" algn="tl" rotWithShape="0">
+                <a:prstClr val="black">
+                  <a:alpha val="40000"/>
+                </a:prstClr>
+              </a:outerShdw>
+            </a:effectLst>
+          </p:spPr>
+          <p:style>
+            <a:lnRef idx="2">
+              <a:schemeClr val="accent1">
+                <a:shade val="15000"/>
+              </a:schemeClr>
+            </a:lnRef>
+            <a:fillRef idx="1">
+              <a:schemeClr val="accent1"/>
+            </a:fillRef>
+            <a:effectRef idx="0">
+              <a:schemeClr val="accent1"/>
+            </a:effectRef>
+            <a:fontRef idx="minor">
+              <a:schemeClr val="lt1"/>
+            </a:fontRef>
+          </p:style>
+          <p:txBody>
+            <a:bodyPr rtlCol="0" anchor="ctr"/>
+            <a:lstStyle/>
+            <a:p>
+              <a:pPr algn="ctr"/>
+              <a:endParaRPr lang="es-ES" i="1" dirty="0">
+                <a:latin typeface="Times New Roman" panose="02020603050405020304" pitchFamily="18" charset="0"/>
+                <a:cs typeface="Times New Roman" panose="02020603050405020304" pitchFamily="18" charset="0"/>
+              </a:endParaRPr>
+            </a:p>
+          </p:txBody>
+        </p:sp>
+        <p:pic>
+          <p:nvPicPr>
+            <p:cNvPr id="17" name="Imagen 16" descr="Dibujo en blanco y negro&#10;&#10;Descripción generada automáticamente con confianza media">
+              <a:extLst>
+                <a:ext uri="{FF2B5EF4-FFF2-40B4-BE49-F238E27FC236}">
+                  <a16:creationId xmlns:a16="http://schemas.microsoft.com/office/drawing/2014/main" id="{A620415C-9D1B-A1F1-0D2B-C5C748EDC9CD}"/>
+                </a:ext>
+              </a:extLst>
+            </p:cNvPr>
+            <p:cNvPicPr>
+              <a:picLocks noChangeAspect="1"/>
+            </p:cNvPicPr>
+            <p:nvPr/>
+          </p:nvPicPr>
+          <p:blipFill>
+            <a:blip r:embed="rId11">
+              <a:extLst>
+                <a:ext uri="{28A0092B-C50C-407E-A947-70E740481C1C}">
+                  <a14:useLocalDpi xmlns:a14="http://schemas.microsoft.com/office/drawing/2010/main" val="0"/>
+                </a:ext>
+              </a:extLst>
+            </a:blip>
+            <a:stretch>
+              <a:fillRect/>
+            </a:stretch>
+          </p:blipFill>
+          <p:spPr>
+            <a:xfrm>
+              <a:off x="5572565" y="5091575"/>
+              <a:ext cx="514331" cy="514331"/>
+            </a:xfrm>
+            <a:prstGeom prst="rect">
+              <a:avLst/>
+            </a:prstGeom>
+          </p:spPr>
+        </p:pic>
+      </p:grpSp>
+      <p:grpSp>
+        <p:nvGrpSpPr>
+          <p:cNvPr id="18" name="Grupo 17">
+            <a:extLst>
+              <a:ext uri="{FF2B5EF4-FFF2-40B4-BE49-F238E27FC236}">
+                <a16:creationId xmlns:a16="http://schemas.microsoft.com/office/drawing/2014/main" id="{87BD7B66-9FC5-2D63-3574-AC18876C58C5}"/>
+              </a:ext>
+            </a:extLst>
+          </p:cNvPr>
+          <p:cNvGrpSpPr/>
+          <p:nvPr/>
+        </p:nvGrpSpPr>
+        <p:grpSpPr>
+          <a:xfrm>
+            <a:off x="5585001" y="4950608"/>
+            <a:ext cx="457200" cy="457200"/>
+            <a:chOff x="6314207" y="5148252"/>
+            <a:chExt cx="457200" cy="457200"/>
+          </a:xfrm>
+        </p:grpSpPr>
+        <p:sp>
+          <p:nvSpPr>
+            <p:cNvPr id="19" name="Diagrama de flujo: conector 18">
+              <a:extLst>
+                <a:ext uri="{FF2B5EF4-FFF2-40B4-BE49-F238E27FC236}">
+                  <a16:creationId xmlns:a16="http://schemas.microsoft.com/office/drawing/2014/main" id="{212228E2-E2AA-9ACF-7EF1-8B7764097576}"/>
+                </a:ext>
+              </a:extLst>
+            </p:cNvPr>
+            <p:cNvSpPr/>
+            <p:nvPr/>
+          </p:nvSpPr>
+          <p:spPr>
+            <a:xfrm>
+              <a:off x="6314207" y="5148252"/>
+              <a:ext cx="457200" cy="457200"/>
+            </a:xfrm>
+            <a:prstGeom prst="flowChartConnector">
+              <a:avLst/>
+            </a:prstGeom>
+            <a:solidFill>
+              <a:srgbClr val="C00000"/>
+            </a:solidFill>
+            <a:ln>
+              <a:noFill/>
+            </a:ln>
+            <a:effectLst>
+              <a:outerShdw blurRad="50800" dist="38100" dir="2700000" algn="tl" rotWithShape="0">
+                <a:prstClr val="black">
+                  <a:alpha val="40000"/>
+                </a:prstClr>
+              </a:outerShdw>
+            </a:effectLst>
+          </p:spPr>
+          <p:style>
+            <a:lnRef idx="2">
+              <a:schemeClr val="accent1">
+                <a:shade val="15000"/>
+              </a:schemeClr>
+            </a:lnRef>
+            <a:fillRef idx="1">
+              <a:schemeClr val="accent1"/>
+            </a:fillRef>
+            <a:effectRef idx="0">
+              <a:schemeClr val="accent1"/>
+            </a:effectRef>
+            <a:fontRef idx="minor">
+              <a:schemeClr val="lt1"/>
+            </a:fontRef>
+          </p:style>
+          <p:txBody>
+            <a:bodyPr rtlCol="0" anchor="ctr"/>
+            <a:lstStyle/>
+            <a:p>
+              <a:pPr algn="ctr"/>
+              <a:endParaRPr lang="es-ES" i="1" dirty="0">
+                <a:latin typeface="Times New Roman" panose="02020603050405020304" pitchFamily="18" charset="0"/>
+                <a:cs typeface="Times New Roman" panose="02020603050405020304" pitchFamily="18" charset="0"/>
+              </a:endParaRPr>
+            </a:p>
+          </p:txBody>
+        </p:sp>
+        <p:sp>
+          <p:nvSpPr>
+            <p:cNvPr id="20" name="Rectángulo 19">
+              <a:extLst>
+                <a:ext uri="{FF2B5EF4-FFF2-40B4-BE49-F238E27FC236}">
+                  <a16:creationId xmlns:a16="http://schemas.microsoft.com/office/drawing/2014/main" id="{686139D3-01DA-4826-7EBE-BC8F7BA7772E}"/>
+                </a:ext>
+              </a:extLst>
+            </p:cNvPr>
+            <p:cNvSpPr/>
+            <p:nvPr/>
+          </p:nvSpPr>
+          <p:spPr>
+            <a:xfrm>
+              <a:off x="6399498" y="5348740"/>
+              <a:ext cx="286618" cy="72571"/>
+            </a:xfrm>
+            <a:prstGeom prst="rect">
+              <a:avLst/>
+            </a:prstGeom>
+            <a:solidFill>
+              <a:schemeClr val="bg1"/>
+            </a:solidFill>
+            <a:ln>
+              <a:solidFill>
+                <a:schemeClr val="bg1"/>
+              </a:solidFill>
+            </a:ln>
+          </p:spPr>
+          <p:style>
+            <a:lnRef idx="2">
+              <a:schemeClr val="dk1">
+                <a:shade val="15000"/>
+              </a:schemeClr>
+            </a:lnRef>
+            <a:fillRef idx="1">
+              <a:schemeClr val="dk1"/>
+            </a:fillRef>
+            <a:effectRef idx="0">
+              <a:schemeClr val="dk1"/>
+            </a:effectRef>
+            <a:fontRef idx="minor">
+              <a:schemeClr val="lt1"/>
+            </a:fontRef>
+          </p:style>
+          <p:txBody>
+            <a:bodyPr rtlCol="0" anchor="ctr"/>
+            <a:lstStyle/>
+            <a:p>
+              <a:pPr algn="ctr"/>
+              <a:endParaRPr lang="es-ES">
+                <a:ln>
+                  <a:solidFill>
+                    <a:schemeClr val="bg1"/>
+                  </a:solidFill>
+                </a:ln>
+                <a:solidFill>
+                  <a:schemeClr val="bg1"/>
+                </a:solidFill>
+              </a:endParaRPr>
+            </a:p>
+          </p:txBody>
+        </p:sp>
+      </p:grpSp>
     </p:spTree>
     <p:extLst>
       <p:ext uri="{BB962C8B-B14F-4D97-AF65-F5344CB8AC3E}">
